--- a/ECE4180FinalPresentation.pptx
+++ b/ECE4180FinalPresentation.pptx
@@ -109,15 +109,89 @@
       </a:defRPr>
     </a:lvl9pPr>
   </p:defaultTextStyle>
+  <p:extLst>
+    <p:ext uri="{EFAFB233-063F-42B5-8137-9DF3F51BA10A}">
+      <p15:sldGuideLst xmlns:p15="http://schemas.microsoft.com/office/powerpoint/2012/main"/>
+    </p:ext>
+  </p:extLst>
 </p:presentation>
 </file>
 
 <file path=ppt/revisionInfo.xml><?xml version="1.0" encoding="utf-8"?>
 <p1510:revInfo xmlns:a="http://schemas.openxmlformats.org/drawingml/2006/main" xmlns:r="http://schemas.openxmlformats.org/officeDocument/2006/relationships" xmlns:p1510="http://schemas.microsoft.com/office/powerpoint/2015/10/main">
   <p1510:revLst>
+    <p1510:client id="{0F01AE7F-EF55-4670-AFC7-B8591BC0D186}" v="6" dt="2022-12-08T19:28:20.586"/>
     <p1510:client id="{D243DBB4-0193-4B60-BCC3-34BD96593181}" v="67" dt="2022-12-08T18:00:03.269"/>
   </p1510:revLst>
 </p1510:revInfo>
+</file>
+
+<file path=ppt/changesInfos/changesInfo1.xml><?xml version="1.0" encoding="utf-8"?>
+<pc:chgInfo xmlns:a="http://schemas.openxmlformats.org/drawingml/2006/main" xmlns:r="http://schemas.openxmlformats.org/officeDocument/2006/relationships" xmlns:ac="http://schemas.microsoft.com/office/drawing/2013/main/command" xmlns:pc="http://schemas.microsoft.com/office/powerpoint/2013/main/command">
+  <pc:docChgLst>
+    <pc:chgData name="Krishna M.V.S" userId="9ed676b8e46c8528" providerId="LiveId" clId="{0F01AE7F-EF55-4670-AFC7-B8591BC0D186}"/>
+    <pc:docChg chg="undo custSel modSld">
+      <pc:chgData name="Krishna M.V.S" userId="9ed676b8e46c8528" providerId="LiveId" clId="{0F01AE7F-EF55-4670-AFC7-B8591BC0D186}" dt="2022-12-08T19:29:15.226" v="325" actId="27636"/>
+      <pc:docMkLst>
+        <pc:docMk/>
+      </pc:docMkLst>
+      <pc:sldChg chg="modSp mod">
+        <pc:chgData name="Krishna M.V.S" userId="9ed676b8e46c8528" providerId="LiveId" clId="{0F01AE7F-EF55-4670-AFC7-B8591BC0D186}" dt="2022-12-08T19:29:15.226" v="325" actId="27636"/>
+        <pc:sldMkLst>
+          <pc:docMk/>
+          <pc:sldMk cId="387191368" sldId="263"/>
+        </pc:sldMkLst>
+        <pc:spChg chg="mod">
+          <ac:chgData name="Krishna M.V.S" userId="9ed676b8e46c8528" providerId="LiveId" clId="{0F01AE7F-EF55-4670-AFC7-B8591BC0D186}" dt="2022-12-08T19:29:15.226" v="325" actId="27636"/>
+          <ac:spMkLst>
+            <pc:docMk/>
+            <pc:sldMk cId="387191368" sldId="263"/>
+            <ac:spMk id="2" creationId="{79218C70-D0EF-7C18-5ADF-B39397E34C3C}"/>
+          </ac:spMkLst>
+        </pc:spChg>
+      </pc:sldChg>
+      <pc:sldChg chg="addSp delSp modSp mod">
+        <pc:chgData name="Krishna M.V.S" userId="9ed676b8e46c8528" providerId="LiveId" clId="{0F01AE7F-EF55-4670-AFC7-B8591BC0D186}" dt="2022-12-08T19:29:00.522" v="322" actId="14100"/>
+        <pc:sldMkLst>
+          <pc:docMk/>
+          <pc:sldMk cId="1710619976" sldId="264"/>
+        </pc:sldMkLst>
+        <pc:spChg chg="mod">
+          <ac:chgData name="Krishna M.V.S" userId="9ed676b8e46c8528" providerId="LiveId" clId="{0F01AE7F-EF55-4670-AFC7-B8591BC0D186}" dt="2022-12-08T19:29:00.522" v="322" actId="14100"/>
+          <ac:spMkLst>
+            <pc:docMk/>
+            <pc:sldMk cId="1710619976" sldId="264"/>
+            <ac:spMk id="2" creationId="{56B3E2C5-6082-E08C-C453-A4D25CDFBBC3}"/>
+          </ac:spMkLst>
+        </pc:spChg>
+        <pc:graphicFrameChg chg="add del mod modGraphic">
+          <ac:chgData name="Krishna M.V.S" userId="9ed676b8e46c8528" providerId="LiveId" clId="{0F01AE7F-EF55-4670-AFC7-B8591BC0D186}" dt="2022-12-08T19:28:40.381" v="288" actId="404"/>
+          <ac:graphicFrameMkLst>
+            <pc:docMk/>
+            <pc:sldMk cId="1710619976" sldId="264"/>
+            <ac:graphicFrameMk id="3" creationId="{D2204311-5DB9-A3AE-E7E5-D12214700863}"/>
+          </ac:graphicFrameMkLst>
+        </pc:graphicFrameChg>
+        <pc:graphicFrameChg chg="mod modGraphic">
+          <ac:chgData name="Krishna M.V.S" userId="9ed676b8e46c8528" providerId="LiveId" clId="{0F01AE7F-EF55-4670-AFC7-B8591BC0D186}" dt="2022-12-08T19:28:18.143" v="281"/>
+          <ac:graphicFrameMkLst>
+            <pc:docMk/>
+            <pc:sldMk cId="1710619976" sldId="264"/>
+            <ac:graphicFrameMk id="4" creationId="{9824F816-C11A-1D64-CE45-5DE9FC9EC084}"/>
+          </ac:graphicFrameMkLst>
+        </pc:graphicFrameChg>
+        <pc:graphicFrameChg chg="mod">
+          <ac:chgData name="Krishna M.V.S" userId="9ed676b8e46c8528" providerId="LiveId" clId="{0F01AE7F-EF55-4670-AFC7-B8591BC0D186}" dt="2022-12-08T19:26:52.195" v="225" actId="1076"/>
+          <ac:graphicFrameMkLst>
+            <pc:docMk/>
+            <pc:sldMk cId="1710619976" sldId="264"/>
+            <ac:graphicFrameMk id="24" creationId="{BF850088-48FC-BD56-093C-C5F87905786F}"/>
+          </ac:graphicFrameMkLst>
+        </pc:graphicFrameChg>
+      </pc:sldChg>
+    </pc:docChg>
+  </pc:docChgLst>
+</pc:chgInfo>
 </file>
 
 <file path=ppt/diagrams/colors1.xml><?xml version="1.0" encoding="utf-8"?>
@@ -3828,8 +3902,8 @@
       </dsp:nvSpPr>
       <dsp:spPr>
         <a:xfrm>
-          <a:off x="35306" y="37718"/>
-          <a:ext cx="722747" cy="722747"/>
+          <a:off x="2116" y="131687"/>
+          <a:ext cx="551053" cy="551053"/>
         </a:xfrm>
         <a:prstGeom prst="ellipse">
           <a:avLst/>
@@ -3868,8 +3942,8 @@
       </dsp:nvSpPr>
       <dsp:spPr>
         <a:xfrm>
-          <a:off x="187083" y="189496"/>
-          <a:ext cx="419193" cy="419193"/>
+          <a:off x="117838" y="247408"/>
+          <a:ext cx="319610" cy="319610"/>
         </a:xfrm>
         <a:prstGeom prst="rect">
           <a:avLst/>
@@ -3923,8 +3997,8 @@
       </dsp:nvSpPr>
       <dsp:spPr>
         <a:xfrm>
-          <a:off x="912929" y="37718"/>
-          <a:ext cx="1703620" cy="722747"/>
+          <a:off x="671252" y="131687"/>
+          <a:ext cx="1298910" cy="551053"/>
         </a:xfrm>
         <a:prstGeom prst="rect">
           <a:avLst/>
@@ -3953,7 +4027,7 @@
         </a:bodyPr>
         <a:lstStyle/>
         <a:p>
-          <a:pPr marL="0" lvl="0" indent="0" algn="l" defTabSz="800100">
+          <a:pPr marL="0" lvl="0" indent="0" algn="l" defTabSz="622300">
             <a:lnSpc>
               <a:spcPct val="100000"/>
             </a:lnSpc>
@@ -3966,7 +4040,7 @@
             <a:buNone/>
           </a:pPr>
           <a:r>
-            <a:rPr lang="en-US" sz="1800" kern="1200" dirty="0">
+            <a:rPr lang="en-US" sz="1400" kern="1200" dirty="0">
               <a:solidFill>
                 <a:schemeClr val="tx1"/>
               </a:solidFill>
@@ -3980,7 +4054,7 @@
             </a:rPr>
             <a:t>ENS160 Sensor</a:t>
           </a:r>
-          <a:endParaRPr lang="en-US" sz="1800" kern="1200" dirty="0">
+          <a:endParaRPr lang="en-US" sz="1400" kern="1200" dirty="0">
             <a:solidFill>
               <a:schemeClr val="tx1"/>
             </a:solidFill>
@@ -3988,8 +4062,8 @@
         </a:p>
       </dsp:txBody>
       <dsp:txXfrm>
-        <a:off x="912929" y="37718"/>
-        <a:ext cx="1703620" cy="722747"/>
+        <a:off x="671252" y="131687"/>
+        <a:ext cx="1298910" cy="551053"/>
       </dsp:txXfrm>
     </dsp:sp>
     <dsp:sp modelId="{EA8CB3B0-64A4-4283-A2AF-20645B66FBA2}">
@@ -3999,8 +4073,8 @@
       </dsp:nvSpPr>
       <dsp:spPr>
         <a:xfrm>
-          <a:off x="2913392" y="37718"/>
-          <a:ext cx="722747" cy="722747"/>
+          <a:off x="2196489" y="131687"/>
+          <a:ext cx="551053" cy="551053"/>
         </a:xfrm>
         <a:prstGeom prst="ellipse">
           <a:avLst/>
@@ -4039,8 +4113,8 @@
       </dsp:nvSpPr>
       <dsp:spPr>
         <a:xfrm>
-          <a:off x="3065169" y="189496"/>
-          <a:ext cx="419193" cy="419193"/>
+          <a:off x="2312210" y="247408"/>
+          <a:ext cx="319610" cy="319610"/>
         </a:xfrm>
         <a:prstGeom prst="rect">
           <a:avLst/>
@@ -4088,8 +4162,8 @@
       </dsp:nvSpPr>
       <dsp:spPr>
         <a:xfrm>
-          <a:off x="3791014" y="37718"/>
-          <a:ext cx="1703620" cy="722747"/>
+          <a:off x="2865625" y="131687"/>
+          <a:ext cx="1298910" cy="551053"/>
         </a:xfrm>
         <a:prstGeom prst="rect">
           <a:avLst/>
@@ -4118,7 +4192,7 @@
         </a:bodyPr>
         <a:lstStyle/>
         <a:p>
-          <a:pPr marL="0" lvl="0" indent="0" algn="l" defTabSz="800100">
+          <a:pPr marL="0" lvl="0" indent="0" algn="l" defTabSz="622300">
             <a:lnSpc>
               <a:spcPct val="100000"/>
             </a:lnSpc>
@@ -4131,7 +4205,7 @@
             <a:buNone/>
           </a:pPr>
           <a:r>
-            <a:rPr lang="en-US" sz="1800" kern="1200" dirty="0">
+            <a:rPr lang="en-US" sz="1400" kern="1200" dirty="0">
               <a:solidFill>
                 <a:schemeClr val="tx1"/>
               </a:solidFill>
@@ -4145,7 +4219,7 @@
             </a:rPr>
             <a:t>Mbed LPC 1768</a:t>
           </a:r>
-          <a:endParaRPr lang="en-US" sz="1800" kern="1200" dirty="0">
+          <a:endParaRPr lang="en-US" sz="1400" kern="1200" dirty="0">
             <a:solidFill>
               <a:schemeClr val="tx1"/>
             </a:solidFill>
@@ -4153,8 +4227,8 @@
         </a:p>
       </dsp:txBody>
       <dsp:txXfrm>
-        <a:off x="3791014" y="37718"/>
-        <a:ext cx="1703620" cy="722747"/>
+        <a:off x="2865625" y="131687"/>
+        <a:ext cx="1298910" cy="551053"/>
       </dsp:txXfrm>
     </dsp:sp>
     <dsp:sp modelId="{76A6A05C-60A4-4F59-9460-03AE961FE77B}">
@@ -4164,8 +4238,8 @@
       </dsp:nvSpPr>
       <dsp:spPr>
         <a:xfrm>
-          <a:off x="35306" y="1338385"/>
-          <a:ext cx="722747" cy="722747"/>
+          <a:off x="2116" y="1112833"/>
+          <a:ext cx="551053" cy="551053"/>
         </a:xfrm>
         <a:prstGeom prst="ellipse">
           <a:avLst/>
@@ -4204,8 +4278,8 @@
       </dsp:nvSpPr>
       <dsp:spPr>
         <a:xfrm>
-          <a:off x="187083" y="1490162"/>
-          <a:ext cx="419193" cy="419193"/>
+          <a:off x="117838" y="1228555"/>
+          <a:ext cx="319610" cy="319610"/>
         </a:xfrm>
         <a:prstGeom prst="rect">
           <a:avLst/>
@@ -4253,8 +4327,8 @@
       </dsp:nvSpPr>
       <dsp:spPr>
         <a:xfrm>
-          <a:off x="912929" y="1338385"/>
-          <a:ext cx="1703620" cy="722747"/>
+          <a:off x="671252" y="1112833"/>
+          <a:ext cx="1298910" cy="551053"/>
         </a:xfrm>
         <a:prstGeom prst="rect">
           <a:avLst/>
@@ -4283,7 +4357,7 @@
         </a:bodyPr>
         <a:lstStyle/>
         <a:p>
-          <a:pPr marL="0" lvl="0" indent="0" algn="l" defTabSz="800100">
+          <a:pPr marL="0" lvl="0" indent="0" algn="l" defTabSz="622300">
             <a:lnSpc>
               <a:spcPct val="100000"/>
             </a:lnSpc>
@@ -4296,7 +4370,7 @@
             <a:buNone/>
           </a:pPr>
           <a:r>
-            <a:rPr lang="en-US" sz="1800" kern="1200" dirty="0">
+            <a:rPr lang="en-US" sz="1400" kern="1200" dirty="0">
               <a:solidFill>
                 <a:schemeClr val="tx1"/>
               </a:solidFill>
@@ -4310,7 +4384,7 @@
             </a:rPr>
             <a:t>LCD Display(uLCD –  144G2)</a:t>
           </a:r>
-          <a:endParaRPr lang="en-US" sz="1800" kern="1200" dirty="0">
+          <a:endParaRPr lang="en-US" sz="1400" kern="1200" dirty="0">
             <a:solidFill>
               <a:schemeClr val="tx1"/>
             </a:solidFill>
@@ -4318,8 +4392,8 @@
         </a:p>
       </dsp:txBody>
       <dsp:txXfrm>
-        <a:off x="912929" y="1338385"/>
-        <a:ext cx="1703620" cy="722747"/>
+        <a:off x="671252" y="1112833"/>
+        <a:ext cx="1298910" cy="551053"/>
       </dsp:txXfrm>
     </dsp:sp>
     <dsp:sp modelId="{10DC506A-2666-40A2-95FA-7AE09FE6BB95}">
@@ -4329,8 +4403,8 @@
       </dsp:nvSpPr>
       <dsp:spPr>
         <a:xfrm>
-          <a:off x="2913392" y="1338385"/>
-          <a:ext cx="722747" cy="722747"/>
+          <a:off x="2196489" y="1112833"/>
+          <a:ext cx="551053" cy="551053"/>
         </a:xfrm>
         <a:prstGeom prst="ellipse">
           <a:avLst/>
@@ -4369,8 +4443,8 @@
       </dsp:nvSpPr>
       <dsp:spPr>
         <a:xfrm>
-          <a:off x="3065169" y="1490162"/>
-          <a:ext cx="419193" cy="419193"/>
+          <a:off x="2312210" y="1228555"/>
+          <a:ext cx="319610" cy="319610"/>
         </a:xfrm>
         <a:prstGeom prst="rect">
           <a:avLst/>
@@ -4418,8 +4492,8 @@
       </dsp:nvSpPr>
       <dsp:spPr>
         <a:xfrm>
-          <a:off x="3791014" y="1338385"/>
-          <a:ext cx="1703620" cy="722747"/>
+          <a:off x="2865625" y="1112833"/>
+          <a:ext cx="1298910" cy="551053"/>
         </a:xfrm>
         <a:prstGeom prst="rect">
           <a:avLst/>
@@ -4448,7 +4522,7 @@
         </a:bodyPr>
         <a:lstStyle/>
         <a:p>
-          <a:pPr marL="0" lvl="0" indent="0" algn="l" defTabSz="800100">
+          <a:pPr marL="0" lvl="0" indent="0" algn="l" defTabSz="622300">
             <a:lnSpc>
               <a:spcPct val="100000"/>
             </a:lnSpc>
@@ -4461,7 +4535,7 @@
             <a:buNone/>
           </a:pPr>
           <a:r>
-            <a:rPr lang="en-US" sz="1800" kern="1200" dirty="0">
+            <a:rPr lang="en-US" sz="1400" kern="1200" dirty="0">
               <a:solidFill>
                 <a:schemeClr val="tx1"/>
               </a:solidFill>
@@ -4475,7 +4549,7 @@
             </a:rPr>
             <a:t>Push button</a:t>
           </a:r>
-          <a:endParaRPr lang="en-US" sz="1800" kern="1200" dirty="0">
+          <a:endParaRPr lang="en-US" sz="1400" kern="1200" dirty="0">
             <a:solidFill>
               <a:schemeClr val="tx1"/>
             </a:solidFill>
@@ -4483,8 +4557,8 @@
         </a:p>
       </dsp:txBody>
       <dsp:txXfrm>
-        <a:off x="3791014" y="1338385"/>
-        <a:ext cx="1703620" cy="722747"/>
+        <a:off x="2865625" y="1112833"/>
+        <a:ext cx="1298910" cy="551053"/>
       </dsp:txXfrm>
     </dsp:sp>
     <dsp:sp modelId="{101A0DE9-C86D-4B4E-A0EA-32BBC909FF2D}">
@@ -4494,8 +4568,8 @@
       </dsp:nvSpPr>
       <dsp:spPr>
         <a:xfrm>
-          <a:off x="35306" y="2639051"/>
-          <a:ext cx="722747" cy="722747"/>
+          <a:off x="2116" y="2093980"/>
+          <a:ext cx="551053" cy="551053"/>
         </a:xfrm>
         <a:prstGeom prst="ellipse">
           <a:avLst/>
@@ -4534,8 +4608,8 @@
       </dsp:nvSpPr>
       <dsp:spPr>
         <a:xfrm>
-          <a:off x="187083" y="2790828"/>
-          <a:ext cx="419193" cy="419193"/>
+          <a:off x="117838" y="2209701"/>
+          <a:ext cx="319610" cy="319610"/>
         </a:xfrm>
         <a:prstGeom prst="rect">
           <a:avLst/>
@@ -4583,8 +4657,8 @@
       </dsp:nvSpPr>
       <dsp:spPr>
         <a:xfrm>
-          <a:off x="912929" y="2639051"/>
-          <a:ext cx="1703620" cy="722747"/>
+          <a:off x="671252" y="2093980"/>
+          <a:ext cx="1298910" cy="551053"/>
         </a:xfrm>
         <a:prstGeom prst="rect">
           <a:avLst/>
@@ -4613,7 +4687,7 @@
         </a:bodyPr>
         <a:lstStyle/>
         <a:p>
-          <a:pPr marL="0" lvl="0" indent="0" algn="l" defTabSz="800100">
+          <a:pPr marL="0" lvl="0" indent="0" algn="l" defTabSz="622300">
             <a:lnSpc>
               <a:spcPct val="100000"/>
             </a:lnSpc>
@@ -4626,7 +4700,7 @@
             <a:buNone/>
           </a:pPr>
           <a:r>
-            <a:rPr lang="en-US" sz="1800" kern="1200" dirty="0">
+            <a:rPr lang="en-US" sz="1400" kern="1200" dirty="0">
               <a:solidFill>
                 <a:schemeClr val="tx1"/>
               </a:solidFill>
@@ -4640,7 +4714,7 @@
             </a:rPr>
             <a:t>Jumper Wires(M/M)</a:t>
           </a:r>
-          <a:endParaRPr lang="en-US" sz="1800" kern="1200" dirty="0">
+          <a:endParaRPr lang="en-US" sz="1400" kern="1200" dirty="0">
             <a:solidFill>
               <a:schemeClr val="tx1"/>
             </a:solidFill>
@@ -4648,8 +4722,8 @@
         </a:p>
       </dsp:txBody>
       <dsp:txXfrm>
-        <a:off x="912929" y="2639051"/>
-        <a:ext cx="1703620" cy="722747"/>
+        <a:off x="671252" y="2093980"/>
+        <a:ext cx="1298910" cy="551053"/>
       </dsp:txXfrm>
     </dsp:sp>
     <dsp:sp modelId="{14CAF0E8-72C0-42B4-92C8-D9819E2D3965}">
@@ -4659,8 +4733,8 @@
       </dsp:nvSpPr>
       <dsp:spPr>
         <a:xfrm>
-          <a:off x="2913392" y="2639051"/>
-          <a:ext cx="722747" cy="722747"/>
+          <a:off x="2196489" y="2093980"/>
+          <a:ext cx="551053" cy="551053"/>
         </a:xfrm>
         <a:prstGeom prst="ellipse">
           <a:avLst/>
@@ -4699,8 +4773,8 @@
       </dsp:nvSpPr>
       <dsp:spPr>
         <a:xfrm>
-          <a:off x="3065169" y="2790828"/>
-          <a:ext cx="419193" cy="419193"/>
+          <a:off x="2312210" y="2209701"/>
+          <a:ext cx="319610" cy="319610"/>
         </a:xfrm>
         <a:prstGeom prst="rect">
           <a:avLst/>
@@ -4748,8 +4822,8 @@
       </dsp:nvSpPr>
       <dsp:spPr>
         <a:xfrm>
-          <a:off x="3791014" y="2639051"/>
-          <a:ext cx="1703620" cy="722747"/>
+          <a:off x="2865625" y="2093980"/>
+          <a:ext cx="1298910" cy="551053"/>
         </a:xfrm>
         <a:prstGeom prst="rect">
           <a:avLst/>
@@ -4778,7 +4852,7 @@
         </a:bodyPr>
         <a:lstStyle/>
         <a:p>
-          <a:pPr marL="0" lvl="0" indent="0" algn="l" defTabSz="800100">
+          <a:pPr marL="0" lvl="0" indent="0" algn="l" defTabSz="622300">
             <a:lnSpc>
               <a:spcPct val="100000"/>
             </a:lnSpc>
@@ -4791,7 +4865,7 @@
             <a:buNone/>
           </a:pPr>
           <a:r>
-            <a:rPr lang="en-US" sz="1800" kern="1200" dirty="0">
+            <a:rPr lang="en-US" sz="1400" kern="1200" dirty="0">
               <a:solidFill>
                 <a:schemeClr val="tx1"/>
               </a:solidFill>
@@ -4805,12 +4879,12 @@
             </a:rPr>
             <a:t>Breadboard</a:t>
           </a:r>
-          <a:endParaRPr lang="en-US" sz="1800" kern="1200" dirty="0"/>
+          <a:endParaRPr lang="en-US" sz="1400" kern="1200" dirty="0"/>
         </a:p>
       </dsp:txBody>
       <dsp:txXfrm>
-        <a:off x="3791014" y="2639051"/>
-        <a:ext cx="1703620" cy="722747"/>
+        <a:off x="2865625" y="2093980"/>
+        <a:ext cx="1298910" cy="551053"/>
       </dsp:txXfrm>
     </dsp:sp>
   </dsp:spTree>
@@ -9552,7 +9626,7 @@
           <a:p>
             <a:fld id="{B255C005-B067-443D-A40B-8AFDF3156D61}" type="datetimeFigureOut">
               <a:rPr lang="en-US" smtClean="0"/>
-              <a:t>12/7/2022</a:t>
+              <a:t>12/8/2022</a:t>
             </a:fld>
             <a:endParaRPr lang="en-US"/>
           </a:p>
@@ -9750,7 +9824,7 @@
           <a:p>
             <a:fld id="{B255C005-B067-443D-A40B-8AFDF3156D61}" type="datetimeFigureOut">
               <a:rPr lang="en-US" smtClean="0"/>
-              <a:t>12/7/2022</a:t>
+              <a:t>12/8/2022</a:t>
             </a:fld>
             <a:endParaRPr lang="en-US"/>
           </a:p>
@@ -9958,7 +10032,7 @@
           <a:p>
             <a:fld id="{B255C005-B067-443D-A40B-8AFDF3156D61}" type="datetimeFigureOut">
               <a:rPr lang="en-US" smtClean="0"/>
-              <a:t>12/7/2022</a:t>
+              <a:t>12/8/2022</a:t>
             </a:fld>
             <a:endParaRPr lang="en-US"/>
           </a:p>
@@ -10156,7 +10230,7 @@
           <a:p>
             <a:fld id="{B255C005-B067-443D-A40B-8AFDF3156D61}" type="datetimeFigureOut">
               <a:rPr lang="en-US" smtClean="0"/>
-              <a:t>12/7/2022</a:t>
+              <a:t>12/8/2022</a:t>
             </a:fld>
             <a:endParaRPr lang="en-US"/>
           </a:p>
@@ -10431,7 +10505,7 @@
           <a:p>
             <a:fld id="{B255C005-B067-443D-A40B-8AFDF3156D61}" type="datetimeFigureOut">
               <a:rPr lang="en-US" smtClean="0"/>
-              <a:t>12/7/2022</a:t>
+              <a:t>12/8/2022</a:t>
             </a:fld>
             <a:endParaRPr lang="en-US"/>
           </a:p>
@@ -10696,7 +10770,7 @@
           <a:p>
             <a:fld id="{B255C005-B067-443D-A40B-8AFDF3156D61}" type="datetimeFigureOut">
               <a:rPr lang="en-US" smtClean="0"/>
-              <a:t>12/7/2022</a:t>
+              <a:t>12/8/2022</a:t>
             </a:fld>
             <a:endParaRPr lang="en-US"/>
           </a:p>
@@ -11108,7 +11182,7 @@
           <a:p>
             <a:fld id="{B255C005-B067-443D-A40B-8AFDF3156D61}" type="datetimeFigureOut">
               <a:rPr lang="en-US" smtClean="0"/>
-              <a:t>12/7/2022</a:t>
+              <a:t>12/8/2022</a:t>
             </a:fld>
             <a:endParaRPr lang="en-US"/>
           </a:p>
@@ -11249,7 +11323,7 @@
           <a:p>
             <a:fld id="{B255C005-B067-443D-A40B-8AFDF3156D61}" type="datetimeFigureOut">
               <a:rPr lang="en-US" smtClean="0"/>
-              <a:t>12/7/2022</a:t>
+              <a:t>12/8/2022</a:t>
             </a:fld>
             <a:endParaRPr lang="en-US"/>
           </a:p>
@@ -11362,7 +11436,7 @@
           <a:p>
             <a:fld id="{B255C005-B067-443D-A40B-8AFDF3156D61}" type="datetimeFigureOut">
               <a:rPr lang="en-US" smtClean="0"/>
-              <a:t>12/7/2022</a:t>
+              <a:t>12/8/2022</a:t>
             </a:fld>
             <a:endParaRPr lang="en-US"/>
           </a:p>
@@ -11673,7 +11747,7 @@
           <a:p>
             <a:fld id="{B255C005-B067-443D-A40B-8AFDF3156D61}" type="datetimeFigureOut">
               <a:rPr lang="en-US" smtClean="0"/>
-              <a:t>12/7/2022</a:t>
+              <a:t>12/8/2022</a:t>
             </a:fld>
             <a:endParaRPr lang="en-US"/>
           </a:p>
@@ -11961,7 +12035,7 @@
           <a:p>
             <a:fld id="{B255C005-B067-443D-A40B-8AFDF3156D61}" type="datetimeFigureOut">
               <a:rPr lang="en-US" smtClean="0"/>
-              <a:t>12/7/2022</a:t>
+              <a:t>12/8/2022</a:t>
             </a:fld>
             <a:endParaRPr lang="en-US"/>
           </a:p>
@@ -12202,7 +12276,7 @@
           <a:p>
             <a:fld id="{B255C005-B067-443D-A40B-8AFDF3156D61}" type="datetimeFigureOut">
               <a:rPr lang="en-US" smtClean="0"/>
-              <a:t>12/7/2022</a:t>
+              <a:t>12/8/2022</a:t>
             </a:fld>
             <a:endParaRPr lang="en-US"/>
           </a:p>
@@ -13795,20 +13869,17 @@
         </p:spPr>
         <p:txBody>
           <a:bodyPr anchor="b">
-            <a:normAutofit fontScale="90000"/>
+            <a:normAutofit/>
           </a:bodyPr>
           <a:lstStyle/>
           <a:p>
             <a:r>
-              <a:rPr lang="en-US" sz="5600" b="1" dirty="0"/>
-              <a:t>Final Design Project Title:</a:t>
+              <a:rPr lang="en-US" sz="5600" b="1"/>
+              <a:t>Developing </a:t>
             </a:r>
-            <a:br>
-              <a:rPr lang="en-US" sz="5600" b="1" dirty="0"/>
-            </a:br>
             <a:r>
               <a:rPr lang="en-US" sz="5600" b="1" dirty="0"/>
-              <a:t>Developing a C++ based driver for ENS160 Sensor for mbed LPC1768</a:t>
+              <a:t>a C++ based driver for ENS160 Sensor for mbed LPC1768</a:t>
             </a:r>
           </a:p>
         </p:txBody>
@@ -14651,8 +14722,8 @@
         </p:nvSpPr>
         <p:spPr>
           <a:xfrm>
-            <a:off x="838199" y="365125"/>
-            <a:ext cx="5529943" cy="1325563"/>
+            <a:off x="838199" y="9525"/>
+            <a:ext cx="6812281" cy="1325563"/>
           </a:xfrm>
         </p:spPr>
         <p:txBody>
@@ -14663,7 +14734,7 @@
           <a:p>
             <a:r>
               <a:rPr lang="en-US" b="1" dirty="0"/>
-              <a:t>Parts List</a:t>
+              <a:t>List of Parts and Tools Used</a:t>
             </a:r>
           </a:p>
         </p:txBody>
@@ -14684,14 +14755,14 @@
             <p:ph idx="1"/>
             <p:extLst>
               <p:ext uri="{D42A27DB-BD31-4B8C-83A1-F6EECF244321}">
-                <p14:modId xmlns:p14="http://schemas.microsoft.com/office/powerpoint/2010/main" val="4171631134"/>
+                <p14:modId xmlns:p14="http://schemas.microsoft.com/office/powerpoint/2010/main" val="3240605099"/>
               </p:ext>
             </p:extLst>
           </p:nvPr>
         </p:nvGraphicFramePr>
         <p:xfrm>
-          <a:off x="231831" y="1368425"/>
-          <a:ext cx="5529942" cy="3399518"/>
+          <a:off x="1066461" y="916301"/>
+          <a:ext cx="4166653" cy="2776721"/>
         </p:xfrm>
         <a:graphic>
           <a:graphicData uri="http://schemas.openxmlformats.org/drawingml/2006/diagram">
@@ -14744,7 +14815,7 @@
           <p:nvPr>
             <p:extLst>
               <p:ext uri="{D42A27DB-BD31-4B8C-83A1-F6EECF244321}">
-                <p14:modId xmlns:p14="http://schemas.microsoft.com/office/powerpoint/2010/main" val="1889363524"/>
+                <p14:modId xmlns:p14="http://schemas.microsoft.com/office/powerpoint/2010/main" val="186747342"/>
               </p:ext>
             </p:extLst>
           </p:nvPr>
@@ -14797,14 +14868,14 @@
                     <a:p>
                       <a:pPr algn="ctr"/>
                       <a:r>
-                        <a:rPr lang="en-US" sz="1200" b="0" cap="none" spc="0">
+                        <a:rPr lang="en-US" sz="1200" b="1" cap="none" spc="0" dirty="0">
                           <a:solidFill>
-                            <a:schemeClr val="bg1"/>
+                            <a:schemeClr val="tx1"/>
                           </a:solidFill>
                         </a:rPr>
-                        <a:t>PIN CONNECTION TABLE</a:t>
+                        <a:t>Connections</a:t>
                       </a:r>
-                      <a:endParaRPr lang="en-US" sz="1200" b="0" cap="none" spc="0">
+                      <a:endParaRPr lang="en-US" sz="1200" b="1" cap="none" spc="0" dirty="0">
                         <a:solidFill>
                           <a:schemeClr val="bg1"/>
                         </a:solidFill>
@@ -15142,14 +15213,14 @@
                     <a:p>
                       <a:pPr algn="ctr"/>
                       <a:r>
-                        <a:rPr lang="en-US" sz="1100" cap="none" spc="0">
+                        <a:rPr lang="en-US" sz="1100" cap="none" spc="0" dirty="0">
                           <a:solidFill>
                             <a:schemeClr val="tx1"/>
                           </a:solidFill>
                         </a:rPr>
                         <a:t>GND</a:t>
                       </a:r>
-                      <a:endParaRPr lang="en-US" sz="1100" cap="none" spc="0">
+                      <a:endParaRPr lang="en-US" sz="1100" cap="none" spc="0" dirty="0">
                         <a:solidFill>
                           <a:schemeClr val="tx1"/>
                         </a:solidFill>
@@ -15235,7 +15306,7 @@
                     <a:lstStyle/>
                     <a:p>
                       <a:pPr algn="ctr"/>
-                      <a:endParaRPr lang="en-US" sz="1100" cap="none" spc="0">
+                      <a:endParaRPr lang="en-US" sz="1100" cap="none" spc="0" dirty="0">
                         <a:solidFill>
                           <a:schemeClr val="tx1"/>
                         </a:solidFill>
@@ -15643,7 +15714,7 @@
                     <a:lstStyle/>
                     <a:p>
                       <a:pPr algn="ctr"/>
-                      <a:endParaRPr lang="en-US" sz="1100" cap="none" spc="0">
+                      <a:endParaRPr lang="en-US" sz="1100" cap="none" spc="0" dirty="0">
                         <a:solidFill>
                           <a:schemeClr val="tx1"/>
                         </a:solidFill>
@@ -15699,6 +15770,210 @@
                 <a:extLst>
                   <a:ext uri="{0D108BD9-81ED-4DB2-BD59-A6C34878D82A}">
                     <a16:rowId xmlns:a16="http://schemas.microsoft.com/office/drawing/2014/main" val="1125503380"/>
+                  </a:ext>
+                </a:extLst>
+              </a:tr>
+            </a:tbl>
+          </a:graphicData>
+        </a:graphic>
+      </p:graphicFrame>
+      <p:graphicFrame>
+        <p:nvGraphicFramePr>
+          <p:cNvPr id="3" name="Table 5">
+            <a:extLst>
+              <a:ext uri="{FF2B5EF4-FFF2-40B4-BE49-F238E27FC236}">
+                <a16:creationId xmlns:a16="http://schemas.microsoft.com/office/drawing/2014/main" id="{D2204311-5DB9-A3AE-E7E5-D12214700863}"/>
+              </a:ext>
+            </a:extLst>
+          </p:cNvPr>
+          <p:cNvGraphicFramePr>
+            <a:graphicFrameLocks noGrp="1"/>
+          </p:cNvGraphicFramePr>
+          <p:nvPr>
+            <p:extLst>
+              <p:ext uri="{D42A27DB-BD31-4B8C-83A1-F6EECF244321}">
+                <p14:modId xmlns:p14="http://schemas.microsoft.com/office/powerpoint/2010/main" val="3741123425"/>
+              </p:ext>
+            </p:extLst>
+          </p:nvPr>
+        </p:nvGraphicFramePr>
+        <p:xfrm>
+          <a:off x="1066461" y="3891142"/>
+          <a:ext cx="2937546" cy="1920240"/>
+        </p:xfrm>
+        <a:graphic>
+          <a:graphicData uri="http://schemas.openxmlformats.org/drawingml/2006/table">
+            <a:tbl>
+              <a:tblPr firstRow="1" bandRow="1">
+                <a:tableStyleId>{073A0DAA-6AF3-43AB-8588-CEC1D06C72B9}</a:tableStyleId>
+              </a:tblPr>
+              <a:tblGrid>
+                <a:gridCol w="2937546">
+                  <a:extLst>
+                    <a:ext uri="{9D8B030D-6E8A-4147-A177-3AD203B41FA5}">
+                      <a16:colId xmlns:a16="http://schemas.microsoft.com/office/drawing/2014/main" val="480410901"/>
+                    </a:ext>
+                  </a:extLst>
+                </a:gridCol>
+              </a:tblGrid>
+              <a:tr h="256883">
+                <a:tc>
+                  <a:txBody>
+                    <a:bodyPr/>
+                    <a:lstStyle/>
+                    <a:p>
+                      <a:r>
+                        <a:rPr lang="en-US" sz="1200" dirty="0"/>
+                        <a:t>Tools</a:t>
+                      </a:r>
+                    </a:p>
+                  </a:txBody>
+                  <a:tcPr/>
+                </a:tc>
+                <a:extLst>
+                  <a:ext uri="{0D108BD9-81ED-4DB2-BD59-A6C34878D82A}">
+                    <a16:rowId xmlns:a16="http://schemas.microsoft.com/office/drawing/2014/main" val="2723651672"/>
+                  </a:ext>
+                </a:extLst>
+              </a:tr>
+              <a:tr h="256883">
+                <a:tc>
+                  <a:txBody>
+                    <a:bodyPr/>
+                    <a:lstStyle/>
+                    <a:p>
+                      <a:pPr marL="0" marR="0" lvl="0" indent="0" algn="l" defTabSz="914400" rtl="0" eaLnBrk="1" fontAlgn="auto" latinLnBrk="0" hangingPunct="1">
+                        <a:lnSpc>
+                          <a:spcPct val="100000"/>
+                        </a:lnSpc>
+                        <a:spcBef>
+                          <a:spcPts val="0"/>
+                        </a:spcBef>
+                        <a:spcAft>
+                          <a:spcPts val="0"/>
+                        </a:spcAft>
+                        <a:buClrTx/>
+                        <a:buSzTx/>
+                        <a:buFontTx/>
+                        <a:buNone/>
+                        <a:tabLst/>
+                        <a:defRPr/>
+                      </a:pPr>
+                      <a:r>
+                        <a:rPr lang="en-US" sz="1200" dirty="0"/>
+                        <a:t>MBED Online Compiler</a:t>
+                      </a:r>
+                    </a:p>
+                  </a:txBody>
+                  <a:tcPr/>
+                </a:tc>
+                <a:extLst>
+                  <a:ext uri="{0D108BD9-81ED-4DB2-BD59-A6C34878D82A}">
+                    <a16:rowId xmlns:a16="http://schemas.microsoft.com/office/drawing/2014/main" val="2671269077"/>
+                  </a:ext>
+                </a:extLst>
+              </a:tr>
+              <a:tr h="256883">
+                <a:tc>
+                  <a:txBody>
+                    <a:bodyPr/>
+                    <a:lstStyle/>
+                    <a:p>
+                      <a:r>
+                        <a:rPr lang="en-US" sz="1200" dirty="0"/>
+                        <a:t>Pi Pico C++ SDK 1.4.0</a:t>
+                      </a:r>
+                    </a:p>
+                  </a:txBody>
+                  <a:tcPr/>
+                </a:tc>
+                <a:extLst>
+                  <a:ext uri="{0D108BD9-81ED-4DB2-BD59-A6C34878D82A}">
+                    <a16:rowId xmlns:a16="http://schemas.microsoft.com/office/drawing/2014/main" val="4139845634"/>
+                  </a:ext>
+                </a:extLst>
+              </a:tr>
+              <a:tr h="256883">
+                <a:tc>
+                  <a:txBody>
+                    <a:bodyPr/>
+                    <a:lstStyle/>
+                    <a:p>
+                      <a:r>
+                        <a:rPr lang="en-US" sz="1200" dirty="0"/>
+                        <a:t>GNU ARM Toolchain 11.2.0</a:t>
+                      </a:r>
+                    </a:p>
+                  </a:txBody>
+                  <a:tcPr/>
+                </a:tc>
+                <a:extLst>
+                  <a:ext uri="{0D108BD9-81ED-4DB2-BD59-A6C34878D82A}">
+                    <a16:rowId xmlns:a16="http://schemas.microsoft.com/office/drawing/2014/main" val="3269727572"/>
+                  </a:ext>
+                </a:extLst>
+              </a:tr>
+              <a:tr h="256883">
+                <a:tc>
+                  <a:txBody>
+                    <a:bodyPr/>
+                    <a:lstStyle/>
+                    <a:p>
+                      <a:r>
+                        <a:rPr lang="en-US" sz="1200" dirty="0" err="1"/>
+                        <a:t>CMake</a:t>
+                      </a:r>
+                      <a:r>
+                        <a:rPr lang="en-US" sz="1200" dirty="0"/>
+                        <a:t> 3.25</a:t>
+                      </a:r>
+                    </a:p>
+                  </a:txBody>
+                  <a:tcPr/>
+                </a:tc>
+                <a:extLst>
+                  <a:ext uri="{0D108BD9-81ED-4DB2-BD59-A6C34878D82A}">
+                    <a16:rowId xmlns:a16="http://schemas.microsoft.com/office/drawing/2014/main" val="2049857474"/>
+                  </a:ext>
+                </a:extLst>
+              </a:tr>
+              <a:tr h="256883">
+                <a:tc>
+                  <a:txBody>
+                    <a:bodyPr/>
+                    <a:lstStyle/>
+                    <a:p>
+                      <a:r>
+                        <a:rPr lang="en-US" sz="1200" dirty="0"/>
+                        <a:t>Visual Studio Code 1.74</a:t>
+                      </a:r>
+                    </a:p>
+                  </a:txBody>
+                  <a:tcPr/>
+                </a:tc>
+                <a:extLst>
+                  <a:ext uri="{0D108BD9-81ED-4DB2-BD59-A6C34878D82A}">
+                    <a16:rowId xmlns:a16="http://schemas.microsoft.com/office/drawing/2014/main" val="2891846630"/>
+                  </a:ext>
+                </a:extLst>
+              </a:tr>
+              <a:tr h="256883">
+                <a:tc>
+                  <a:txBody>
+                    <a:bodyPr/>
+                    <a:lstStyle/>
+                    <a:p>
+                      <a:r>
+                        <a:rPr lang="en-US" sz="1200" dirty="0"/>
+                        <a:t>Git for Windows</a:t>
+                      </a:r>
+                    </a:p>
+                  </a:txBody>
+                  <a:tcPr/>
+                </a:tc>
+                <a:extLst>
+                  <a:ext uri="{0D108BD9-81ED-4DB2-BD59-A6C34878D82A}">
+                    <a16:rowId xmlns:a16="http://schemas.microsoft.com/office/drawing/2014/main" val="1052961329"/>
                   </a:ext>
                 </a:extLst>
               </a:tr>

--- a/ECE4180FinalPresentation.pptx
+++ b/ECE4180FinalPresentation.pptx
@@ -120,7 +120,7 @@
 <file path=ppt/revisionInfo.xml><?xml version="1.0" encoding="utf-8"?>
 <p1510:revInfo xmlns:a="http://schemas.openxmlformats.org/drawingml/2006/main" xmlns:r="http://schemas.openxmlformats.org/officeDocument/2006/relationships" xmlns:p1510="http://schemas.microsoft.com/office/powerpoint/2015/10/main">
   <p1510:revLst>
-    <p1510:client id="{0F01AE7F-EF55-4670-AFC7-B8591BC0D186}" v="6" dt="2022-12-08T19:28:20.586"/>
+    <p1510:client id="{0F01AE7F-EF55-4670-AFC7-B8591BC0D186}" v="7" dt="2022-12-09T17:29:37.598"/>
     <p1510:client id="{D243DBB4-0193-4B60-BCC3-34BD96593181}" v="67" dt="2022-12-08T18:00:03.269"/>
   </p1510:revLst>
 </p1510:revInfo>
@@ -131,10 +131,41 @@
   <pc:docChgLst>
     <pc:chgData name="Krishna M.V.S" userId="9ed676b8e46c8528" providerId="LiveId" clId="{0F01AE7F-EF55-4670-AFC7-B8591BC0D186}"/>
     <pc:docChg chg="undo custSel modSld">
-      <pc:chgData name="Krishna M.V.S" userId="9ed676b8e46c8528" providerId="LiveId" clId="{0F01AE7F-EF55-4670-AFC7-B8591BC0D186}" dt="2022-12-08T19:29:15.226" v="325" actId="27636"/>
+      <pc:chgData name="Krishna M.V.S" userId="9ed676b8e46c8528" providerId="LiveId" clId="{0F01AE7F-EF55-4670-AFC7-B8591BC0D186}" dt="2022-12-09T17:29:42.150" v="329" actId="1076"/>
       <pc:docMkLst>
         <pc:docMk/>
       </pc:docMkLst>
+      <pc:sldChg chg="addSp delSp modSp mod delAnim modAnim">
+        <pc:chgData name="Krishna M.V.S" userId="9ed676b8e46c8528" providerId="LiveId" clId="{0F01AE7F-EF55-4670-AFC7-B8591BC0D186}" dt="2022-12-09T17:29:42.150" v="329" actId="1076"/>
+        <pc:sldMkLst>
+          <pc:docMk/>
+          <pc:sldMk cId="1022543107" sldId="261"/>
+        </pc:sldMkLst>
+        <pc:spChg chg="add del mod">
+          <ac:chgData name="Krishna M.V.S" userId="9ed676b8e46c8528" providerId="LiveId" clId="{0F01AE7F-EF55-4670-AFC7-B8591BC0D186}" dt="2022-12-09T17:29:37.598" v="327"/>
+          <ac:spMkLst>
+            <pc:docMk/>
+            <pc:sldMk cId="1022543107" sldId="261"/>
+            <ac:spMk id="4" creationId="{F27C74C8-934B-A1CF-FCE8-9856C0360BDA}"/>
+          </ac:spMkLst>
+        </pc:spChg>
+        <pc:picChg chg="add mod">
+          <ac:chgData name="Krishna M.V.S" userId="9ed676b8e46c8528" providerId="LiveId" clId="{0F01AE7F-EF55-4670-AFC7-B8591BC0D186}" dt="2022-12-09T17:29:42.150" v="329" actId="1076"/>
+          <ac:picMkLst>
+            <pc:docMk/>
+            <pc:sldMk cId="1022543107" sldId="261"/>
+            <ac:picMk id="5" creationId="{6AF85F18-70BA-6CF2-0FAE-1CE5D31D4789}"/>
+          </ac:picMkLst>
+        </pc:picChg>
+        <pc:picChg chg="del">
+          <ac:chgData name="Krishna M.V.S" userId="9ed676b8e46c8528" providerId="LiveId" clId="{0F01AE7F-EF55-4670-AFC7-B8591BC0D186}" dt="2022-12-09T17:29:21.290" v="326" actId="478"/>
+          <ac:picMkLst>
+            <pc:docMk/>
+            <pc:sldMk cId="1022543107" sldId="261"/>
+            <ac:picMk id="6" creationId="{E27B0198-A207-7196-901B-2BDAB9EB0F3D}"/>
+          </ac:picMkLst>
+        </pc:picChg>
+      </pc:sldChg>
       <pc:sldChg chg="modSp mod">
         <pc:chgData name="Krishna M.V.S" userId="9ed676b8e46c8528" providerId="LiveId" clId="{0F01AE7F-EF55-4670-AFC7-B8591BC0D186}" dt="2022-12-08T19:29:15.226" v="325" actId="27636"/>
         <pc:sldMkLst>
@@ -9626,7 +9657,7 @@
           <a:p>
             <a:fld id="{B255C005-B067-443D-A40B-8AFDF3156D61}" type="datetimeFigureOut">
               <a:rPr lang="en-US" smtClean="0"/>
-              <a:t>12/8/2022</a:t>
+              <a:t>12/9/2022</a:t>
             </a:fld>
             <a:endParaRPr lang="en-US"/>
           </a:p>
@@ -9824,7 +9855,7 @@
           <a:p>
             <a:fld id="{B255C005-B067-443D-A40B-8AFDF3156D61}" type="datetimeFigureOut">
               <a:rPr lang="en-US" smtClean="0"/>
-              <a:t>12/8/2022</a:t>
+              <a:t>12/9/2022</a:t>
             </a:fld>
             <a:endParaRPr lang="en-US"/>
           </a:p>
@@ -10032,7 +10063,7 @@
           <a:p>
             <a:fld id="{B255C005-B067-443D-A40B-8AFDF3156D61}" type="datetimeFigureOut">
               <a:rPr lang="en-US" smtClean="0"/>
-              <a:t>12/8/2022</a:t>
+              <a:t>12/9/2022</a:t>
             </a:fld>
             <a:endParaRPr lang="en-US"/>
           </a:p>
@@ -10230,7 +10261,7 @@
           <a:p>
             <a:fld id="{B255C005-B067-443D-A40B-8AFDF3156D61}" type="datetimeFigureOut">
               <a:rPr lang="en-US" smtClean="0"/>
-              <a:t>12/8/2022</a:t>
+              <a:t>12/9/2022</a:t>
             </a:fld>
             <a:endParaRPr lang="en-US"/>
           </a:p>
@@ -10505,7 +10536,7 @@
           <a:p>
             <a:fld id="{B255C005-B067-443D-A40B-8AFDF3156D61}" type="datetimeFigureOut">
               <a:rPr lang="en-US" smtClean="0"/>
-              <a:t>12/8/2022</a:t>
+              <a:t>12/9/2022</a:t>
             </a:fld>
             <a:endParaRPr lang="en-US"/>
           </a:p>
@@ -10770,7 +10801,7 @@
           <a:p>
             <a:fld id="{B255C005-B067-443D-A40B-8AFDF3156D61}" type="datetimeFigureOut">
               <a:rPr lang="en-US" smtClean="0"/>
-              <a:t>12/8/2022</a:t>
+              <a:t>12/9/2022</a:t>
             </a:fld>
             <a:endParaRPr lang="en-US"/>
           </a:p>
@@ -11182,7 +11213,7 @@
           <a:p>
             <a:fld id="{B255C005-B067-443D-A40B-8AFDF3156D61}" type="datetimeFigureOut">
               <a:rPr lang="en-US" smtClean="0"/>
-              <a:t>12/8/2022</a:t>
+              <a:t>12/9/2022</a:t>
             </a:fld>
             <a:endParaRPr lang="en-US"/>
           </a:p>
@@ -11323,7 +11354,7 @@
           <a:p>
             <a:fld id="{B255C005-B067-443D-A40B-8AFDF3156D61}" type="datetimeFigureOut">
               <a:rPr lang="en-US" smtClean="0"/>
-              <a:t>12/8/2022</a:t>
+              <a:t>12/9/2022</a:t>
             </a:fld>
             <a:endParaRPr lang="en-US"/>
           </a:p>
@@ -11436,7 +11467,7 @@
           <a:p>
             <a:fld id="{B255C005-B067-443D-A40B-8AFDF3156D61}" type="datetimeFigureOut">
               <a:rPr lang="en-US" smtClean="0"/>
-              <a:t>12/8/2022</a:t>
+              <a:t>12/9/2022</a:t>
             </a:fld>
             <a:endParaRPr lang="en-US"/>
           </a:p>
@@ -11747,7 +11778,7 @@
           <a:p>
             <a:fld id="{B255C005-B067-443D-A40B-8AFDF3156D61}" type="datetimeFigureOut">
               <a:rPr lang="en-US" smtClean="0"/>
-              <a:t>12/8/2022</a:t>
+              <a:t>12/9/2022</a:t>
             </a:fld>
             <a:endParaRPr lang="en-US"/>
           </a:p>
@@ -12035,7 +12066,7 @@
           <a:p>
             <a:fld id="{B255C005-B067-443D-A40B-8AFDF3156D61}" type="datetimeFigureOut">
               <a:rPr lang="en-US" smtClean="0"/>
-              <a:t>12/8/2022</a:t>
+              <a:t>12/9/2022</a:t>
             </a:fld>
             <a:endParaRPr lang="en-US"/>
           </a:p>
@@ -12276,7 +12307,7 @@
           <a:p>
             <a:fld id="{B255C005-B067-443D-A40B-8AFDF3156D61}" type="datetimeFigureOut">
               <a:rPr lang="en-US" smtClean="0"/>
-              <a:t>12/8/2022</a:t>
+              <a:t>12/9/2022</a:t>
             </a:fld>
             <a:endParaRPr lang="en-US"/>
           </a:p>
@@ -16813,11 +16844,11 @@
       </p:sp>
       <p:pic>
         <p:nvPicPr>
-          <p:cNvPr id="6" name="Online Media 5" title="ECE 4180 - C++ driver for ENS160 sensor using mbed LPC1768">
+          <p:cNvPr id="5" name="Online Media 4" title="ECE 4180 - Final Project - C++ driver for ENS160 using mbed LPC1768">
             <a:hlinkClick r:id="" action="ppaction://media"/>
             <a:extLst>
               <a:ext uri="{FF2B5EF4-FFF2-40B4-BE49-F238E27FC236}">
-                <a16:creationId xmlns:a16="http://schemas.microsoft.com/office/drawing/2014/main" id="{E27B0198-A207-7196-901B-2BDAB9EB0F3D}"/>
+                <a16:creationId xmlns:a16="http://schemas.microsoft.com/office/drawing/2014/main" id="{6AF85F18-70BA-6CF2-0FAE-1CE5D31D4789}"/>
               </a:ext>
             </a:extLst>
           </p:cNvPr>
@@ -16837,8 +16868,8 @@
         </p:blipFill>
         <p:spPr>
           <a:xfrm>
-            <a:off x="4810125" y="1571625"/>
-            <a:ext cx="6554788" cy="3703638"/>
+            <a:off x="4262904" y="1520825"/>
+            <a:ext cx="7700962" cy="4351338"/>
           </a:xfrm>
           <a:prstGeom prst="rect">
             <a:avLst/>
@@ -16885,7 +16916,7 @@
                                       <p:cBhvr>
                                         <p:cTn id="6" dur="1" fill="hold"/>
                                         <p:tgtEl>
-                                          <p:spTgt spid="6"/>
+                                          <p:spTgt spid="5"/>
                                         </p:tgtEl>
                                       </p:cBhvr>
                                     </p:cmd>
@@ -16923,7 +16954,7 @@
                   </p:stCondLst>
                 </p:cTn>
                 <p:tgtEl>
-                  <p:spTgt spid="6"/>
+                  <p:spTgt spid="5"/>
                 </p:tgtEl>
               </p:cMediaNode>
             </p:video>
@@ -16932,7 +16963,7 @@
                 <p:stCondLst>
                   <p:cond evt="onClick" delay="0">
                     <p:tgtEl>
-                      <p:spTgt spid="6"/>
+                      <p:spTgt spid="5"/>
                     </p:tgtEl>
                   </p:cond>
                 </p:stCondLst>
@@ -16962,7 +16993,7 @@
                                       <p:cBhvr>
                                         <p:cTn id="12" dur="1" fill="hold"/>
                                         <p:tgtEl>
-                                          <p:spTgt spid="6"/>
+                                          <p:spTgt spid="5"/>
                                         </p:tgtEl>
                                       </p:cBhvr>
                                     </p:cmd>
@@ -16980,7 +17011,7 @@
               <p:nextCondLst>
                 <p:cond evt="onClick" delay="0">
                   <p:tgtEl>
-                    <p:spTgt spid="6"/>
+                    <p:spTgt spid="5"/>
                   </p:tgtEl>
                 </p:cond>
               </p:nextCondLst>
